--- a/UT/session2/UT Workshop 2.pptx
+++ b/UT/session2/UT Workshop 2.pptx
@@ -1121,7 +1121,7 @@
           </a:ln>
           <a:extLst>
             <a:ext uri="{909E8E84-426E-40dd-AFC4-6F175D3DCCD1}">
-              <a14:hiddenFill xmlns:a14="http://schemas.microsoft.com/office/drawing/2010/main" xmlns="">
+              <a14:hiddenFill xmlns="" xmlns:a14="http://schemas.microsoft.com/office/drawing/2010/main">
                 <a:noFill/>
               </a14:hiddenFill>
             </a:ext>
@@ -1165,7 +1165,7 @@
           </a:ln>
           <a:extLst>
             <a:ext uri="{909E8E84-426E-40dd-AFC4-6F175D3DCCD1}">
-              <a14:hiddenFill xmlns:a14="http://schemas.microsoft.com/office/drawing/2010/main" xmlns="">
+              <a14:hiddenFill xmlns="" xmlns:a14="http://schemas.microsoft.com/office/drawing/2010/main">
                 <a:noFill/>
               </a14:hiddenFill>
             </a:ext>
@@ -1214,14 +1214,14 @@
           </a:ln>
           <a:extLst>
             <a:ext uri="{909E8E84-426E-40dd-AFC4-6F175D3DCCD1}">
-              <a14:hiddenFill xmlns:a14="http://schemas.microsoft.com/office/drawing/2010/main" xmlns="">
+              <a14:hiddenFill xmlns="" xmlns:a14="http://schemas.microsoft.com/office/drawing/2010/main">
                 <a:solidFill>
                   <a:srgbClr val="FFFFFF"/>
                 </a:solidFill>
               </a14:hiddenFill>
             </a:ext>
             <a:ext uri="{91240B29-F687-4f45-9708-019B960494DF}">
-              <a14:hiddenLine xmlns:a14="http://schemas.microsoft.com/office/drawing/2010/main" xmlns="" w="9525">
+              <a14:hiddenLine xmlns="" xmlns:a14="http://schemas.microsoft.com/office/drawing/2010/main" w="9525">
                 <a:solidFill>
                   <a:srgbClr val="000000"/>
                 </a:solidFill>
@@ -1566,7 +1566,7 @@
           </a:ln>
           <a:extLst>
             <a:ext uri="{909E8E84-426E-40dd-AFC4-6F175D3DCCD1}">
-              <a14:hiddenFill xmlns:a14="http://schemas.microsoft.com/office/drawing/2010/main" xmlns="">
+              <a14:hiddenFill xmlns="" xmlns:a14="http://schemas.microsoft.com/office/drawing/2010/main">
                 <a:noFill/>
               </a14:hiddenFill>
             </a:ext>
@@ -1615,14 +1615,14 @@
           </a:ln>
           <a:extLst>
             <a:ext uri="{909E8E84-426E-40dd-AFC4-6F175D3DCCD1}">
-              <a14:hiddenFill xmlns:a14="http://schemas.microsoft.com/office/drawing/2010/main" xmlns="">
+              <a14:hiddenFill xmlns="" xmlns:a14="http://schemas.microsoft.com/office/drawing/2010/main">
                 <a:solidFill>
                   <a:srgbClr val="FFFFFF"/>
                 </a:solidFill>
               </a14:hiddenFill>
             </a:ext>
             <a:ext uri="{91240B29-F687-4f45-9708-019B960494DF}">
-              <a14:hiddenLine xmlns:a14="http://schemas.microsoft.com/office/drawing/2010/main" xmlns="" w="9525">
+              <a14:hiddenLine xmlns="" xmlns:a14="http://schemas.microsoft.com/office/drawing/2010/main" w="9525">
                 <a:solidFill>
                   <a:srgbClr val="000000"/>
                 </a:solidFill>
@@ -1849,7 +1849,7 @@
           </a:ln>
           <a:extLst>
             <a:ext uri="{909E8E84-426E-40dd-AFC4-6F175D3DCCD1}">
-              <a14:hiddenFill xmlns:a14="http://schemas.microsoft.com/office/drawing/2010/main" xmlns="">
+              <a14:hiddenFill xmlns="" xmlns:a14="http://schemas.microsoft.com/office/drawing/2010/main">
                 <a:noFill/>
               </a14:hiddenFill>
             </a:ext>
@@ -1893,7 +1893,7 @@
           </a:ln>
           <a:extLst>
             <a:ext uri="{909E8E84-426E-40dd-AFC4-6F175D3DCCD1}">
-              <a14:hiddenFill xmlns:a14="http://schemas.microsoft.com/office/drawing/2010/main" xmlns="">
+              <a14:hiddenFill xmlns="" xmlns:a14="http://schemas.microsoft.com/office/drawing/2010/main">
                 <a:noFill/>
               </a14:hiddenFill>
             </a:ext>
@@ -1942,14 +1942,14 @@
           </a:ln>
           <a:extLst>
             <a:ext uri="{909E8E84-426E-40dd-AFC4-6F175D3DCCD1}">
-              <a14:hiddenFill xmlns:a14="http://schemas.microsoft.com/office/drawing/2010/main" xmlns="">
+              <a14:hiddenFill xmlns="" xmlns:a14="http://schemas.microsoft.com/office/drawing/2010/main">
                 <a:solidFill>
                   <a:srgbClr val="FFFFFF"/>
                 </a:solidFill>
               </a14:hiddenFill>
             </a:ext>
             <a:ext uri="{91240B29-F687-4f45-9708-019B960494DF}">
-              <a14:hiddenLine xmlns:a14="http://schemas.microsoft.com/office/drawing/2010/main" xmlns="" w="9525">
+              <a14:hiddenLine xmlns="" xmlns:a14="http://schemas.microsoft.com/office/drawing/2010/main" w="9525">
                 <a:solidFill>
                   <a:srgbClr val="000000"/>
                 </a:solidFill>
@@ -2221,7 +2221,7 @@
           </a:ln>
           <a:extLst>
             <a:ext uri="{909E8E84-426E-40dd-AFC4-6F175D3DCCD1}">
-              <a14:hiddenFill xmlns:a14="http://schemas.microsoft.com/office/drawing/2010/main" xmlns="">
+              <a14:hiddenFill xmlns="" xmlns:a14="http://schemas.microsoft.com/office/drawing/2010/main">
                 <a:noFill/>
               </a14:hiddenFill>
             </a:ext>
@@ -2424,7 +2424,7 @@
           </a:ln>
           <a:extLst>
             <a:ext uri="{909E8E84-426E-40dd-AFC4-6F175D3DCCD1}">
-              <a14:hiddenFill xmlns:a14="http://schemas.microsoft.com/office/drawing/2010/main" xmlns="">
+              <a14:hiddenFill xmlns="" xmlns:a14="http://schemas.microsoft.com/office/drawing/2010/main">
                 <a:noFill/>
               </a14:hiddenFill>
             </a:ext>
@@ -2632,7 +2632,7 @@
           </a:ln>
           <a:extLst>
             <a:ext uri="{909E8E84-426E-40dd-AFC4-6F175D3DCCD1}">
-              <a14:hiddenFill xmlns:a14="http://schemas.microsoft.com/office/drawing/2010/main" xmlns="">
+              <a14:hiddenFill xmlns="" xmlns:a14="http://schemas.microsoft.com/office/drawing/2010/main">
                 <a:noFill/>
               </a14:hiddenFill>
             </a:ext>
@@ -2881,7 +2881,7 @@
           </a:ln>
           <a:extLst>
             <a:ext uri="{909E8E84-426E-40dd-AFC4-6F175D3DCCD1}">
-              <a14:hiddenFill xmlns:a14="http://schemas.microsoft.com/office/drawing/2010/main" xmlns="">
+              <a14:hiddenFill xmlns="" xmlns:a14="http://schemas.microsoft.com/office/drawing/2010/main">
                 <a:noFill/>
               </a14:hiddenFill>
             </a:ext>
@@ -2930,14 +2930,14 @@
           </a:ln>
           <a:extLst>
             <a:ext uri="{909E8E84-426E-40dd-AFC4-6F175D3DCCD1}">
-              <a14:hiddenFill xmlns:a14="http://schemas.microsoft.com/office/drawing/2010/main" xmlns="">
+              <a14:hiddenFill xmlns="" xmlns:a14="http://schemas.microsoft.com/office/drawing/2010/main">
                 <a:solidFill>
                   <a:srgbClr val="FFFFFF"/>
                 </a:solidFill>
               </a14:hiddenFill>
             </a:ext>
             <a:ext uri="{91240B29-F687-4f45-9708-019B960494DF}">
-              <a14:hiddenLine xmlns:a14="http://schemas.microsoft.com/office/drawing/2010/main" xmlns="" w="9525">
+              <a14:hiddenLine xmlns="" xmlns:a14="http://schemas.microsoft.com/office/drawing/2010/main" w="9525">
                 <a:solidFill>
                   <a:srgbClr val="000000"/>
                 </a:solidFill>
@@ -3198,7 +3198,7 @@
           </a:ln>
           <a:extLst>
             <a:ext uri="{909E8E84-426E-40dd-AFC4-6F175D3DCCD1}">
-              <a14:hiddenFill xmlns:a14="http://schemas.microsoft.com/office/drawing/2010/main" xmlns="">
+              <a14:hiddenFill xmlns="" xmlns:a14="http://schemas.microsoft.com/office/drawing/2010/main">
                 <a:noFill/>
               </a14:hiddenFill>
             </a:ext>
@@ -3247,14 +3247,14 @@
           </a:ln>
           <a:extLst>
             <a:ext uri="{909E8E84-426E-40dd-AFC4-6F175D3DCCD1}">
-              <a14:hiddenFill xmlns:a14="http://schemas.microsoft.com/office/drawing/2010/main" xmlns="">
+              <a14:hiddenFill xmlns="" xmlns:a14="http://schemas.microsoft.com/office/drawing/2010/main">
                 <a:solidFill>
                   <a:srgbClr val="FFFFFF"/>
                 </a:solidFill>
               </a14:hiddenFill>
             </a:ext>
             <a:ext uri="{91240B29-F687-4f45-9708-019B960494DF}">
-              <a14:hiddenLine xmlns:a14="http://schemas.microsoft.com/office/drawing/2010/main" xmlns="" w="9525">
+              <a14:hiddenLine xmlns="" xmlns:a14="http://schemas.microsoft.com/office/drawing/2010/main" w="9525">
                 <a:solidFill>
                   <a:srgbClr val="000000"/>
                 </a:solidFill>
@@ -3895,7 +3895,7 @@
           </a:ln>
           <a:extLst>
             <a:ext uri="{909E8E84-426E-40dd-AFC4-6F175D3DCCD1}">
-              <a14:hiddenFill xmlns:a14="http://schemas.microsoft.com/office/drawing/2010/main" xmlns="">
+              <a14:hiddenFill xmlns="" xmlns:a14="http://schemas.microsoft.com/office/drawing/2010/main">
                 <a:noFill/>
               </a14:hiddenFill>
             </a:ext>
@@ -4088,7 +4088,7 @@
           </a:ln>
           <a:extLst>
             <a:ext uri="{909E8E84-426E-40dd-AFC4-6F175D3DCCD1}">
-              <a14:hiddenFill xmlns:a14="http://schemas.microsoft.com/office/drawing/2010/main" xmlns="">
+              <a14:hiddenFill xmlns="" xmlns:a14="http://schemas.microsoft.com/office/drawing/2010/main">
                 <a:noFill/>
               </a14:hiddenFill>
             </a:ext>
@@ -4129,7 +4129,7 @@
           </a:ln>
           <a:extLst>
             <a:ext uri="{909E8E84-426E-40dd-AFC4-6F175D3DCCD1}">
-              <a14:hiddenFill xmlns:a14="http://schemas.microsoft.com/office/drawing/2010/main" xmlns="">
+              <a14:hiddenFill xmlns="" xmlns:a14="http://schemas.microsoft.com/office/drawing/2010/main">
                 <a:noFill/>
               </a14:hiddenFill>
             </a:ext>
@@ -4339,7 +4339,7 @@
           </a:ln>
           <a:extLst>
             <a:ext uri="{909E8E84-426E-40dd-AFC4-6F175D3DCCD1}">
-              <a14:hiddenFill xmlns:a14="http://schemas.microsoft.com/office/drawing/2010/main" xmlns="">
+              <a14:hiddenFill xmlns="" xmlns:a14="http://schemas.microsoft.com/office/drawing/2010/main">
                 <a:noFill/>
               </a14:hiddenFill>
             </a:ext>
@@ -4388,14 +4388,14 @@
           </a:ln>
           <a:extLst>
             <a:ext uri="{909E8E84-426E-40dd-AFC4-6F175D3DCCD1}">
-              <a14:hiddenFill xmlns:a14="http://schemas.microsoft.com/office/drawing/2010/main" xmlns="">
+              <a14:hiddenFill xmlns="" xmlns:a14="http://schemas.microsoft.com/office/drawing/2010/main">
                 <a:solidFill>
                   <a:srgbClr val="FFFFFF"/>
                 </a:solidFill>
               </a14:hiddenFill>
             </a:ext>
             <a:ext uri="{91240B29-F687-4f45-9708-019B960494DF}">
-              <a14:hiddenLine xmlns:a14="http://schemas.microsoft.com/office/drawing/2010/main" xmlns="" w="9525">
+              <a14:hiddenLine xmlns="" xmlns:a14="http://schemas.microsoft.com/office/drawing/2010/main" w="9525">
                 <a:solidFill>
                   <a:srgbClr val="000000"/>
                 </a:solidFill>
@@ -4624,7 +4624,7 @@
           </a:ln>
           <a:extLst>
             <a:ext uri="{909E8E84-426E-40dd-AFC4-6F175D3DCCD1}">
-              <a14:hiddenFill xmlns:a14="http://schemas.microsoft.com/office/drawing/2010/main" xmlns="">
+              <a14:hiddenFill xmlns="" xmlns:a14="http://schemas.microsoft.com/office/drawing/2010/main">
                 <a:noFill/>
               </a14:hiddenFill>
             </a:ext>
@@ -4668,7 +4668,7 @@
           </a:ln>
           <a:extLst>
             <a:ext uri="{909E8E84-426E-40dd-AFC4-6F175D3DCCD1}">
-              <a14:hiddenFill xmlns:a14="http://schemas.microsoft.com/office/drawing/2010/main" xmlns="">
+              <a14:hiddenFill xmlns="" xmlns:a14="http://schemas.microsoft.com/office/drawing/2010/main">
                 <a:noFill/>
               </a14:hiddenFill>
             </a:ext>
@@ -4717,14 +4717,14 @@
           </a:ln>
           <a:extLst>
             <a:ext uri="{909E8E84-426E-40dd-AFC4-6F175D3DCCD1}">
-              <a14:hiddenFill xmlns:a14="http://schemas.microsoft.com/office/drawing/2010/main" xmlns="">
+              <a14:hiddenFill xmlns="" xmlns:a14="http://schemas.microsoft.com/office/drawing/2010/main">
                 <a:solidFill>
                   <a:srgbClr val="FFFFFF"/>
                 </a:solidFill>
               </a14:hiddenFill>
             </a:ext>
             <a:ext uri="{91240B29-F687-4f45-9708-019B960494DF}">
-              <a14:hiddenLine xmlns:a14="http://schemas.microsoft.com/office/drawing/2010/main" xmlns="" w="9525">
+              <a14:hiddenLine xmlns="" xmlns:a14="http://schemas.microsoft.com/office/drawing/2010/main" w="9525">
                 <a:solidFill>
                   <a:srgbClr val="000000"/>
                 </a:solidFill>
@@ -4996,7 +4996,7 @@
           </a:ln>
           <a:extLst>
             <a:ext uri="{909E8E84-426E-40dd-AFC4-6F175D3DCCD1}">
-              <a14:hiddenFill xmlns:a14="http://schemas.microsoft.com/office/drawing/2010/main" xmlns="">
+              <a14:hiddenFill xmlns="" xmlns:a14="http://schemas.microsoft.com/office/drawing/2010/main">
                 <a:noFill/>
               </a14:hiddenFill>
             </a:ext>
@@ -5208,7 +5208,7 @@
           </a:ln>
           <a:extLst>
             <a:ext uri="{909E8E84-426E-40dd-AFC4-6F175D3DCCD1}">
-              <a14:hiddenFill xmlns:a14="http://schemas.microsoft.com/office/drawing/2010/main" xmlns="">
+              <a14:hiddenFill xmlns="" xmlns:a14="http://schemas.microsoft.com/office/drawing/2010/main">
                 <a:noFill/>
               </a14:hiddenFill>
             </a:ext>
@@ -5425,7 +5425,7 @@
           </a:ln>
           <a:extLst>
             <a:ext uri="{909E8E84-426E-40dd-AFC4-6F175D3DCCD1}">
-              <a14:hiddenFill xmlns:a14="http://schemas.microsoft.com/office/drawing/2010/main" xmlns="">
+              <a14:hiddenFill xmlns="" xmlns:a14="http://schemas.microsoft.com/office/drawing/2010/main">
                 <a:noFill/>
               </a14:hiddenFill>
             </a:ext>
@@ -5674,7 +5674,7 @@
           </a:ln>
           <a:extLst>
             <a:ext uri="{909E8E84-426E-40dd-AFC4-6F175D3DCCD1}">
-              <a14:hiddenFill xmlns:a14="http://schemas.microsoft.com/office/drawing/2010/main" xmlns="">
+              <a14:hiddenFill xmlns="" xmlns:a14="http://schemas.microsoft.com/office/drawing/2010/main">
                 <a:noFill/>
               </a14:hiddenFill>
             </a:ext>
@@ -5723,14 +5723,14 @@
           </a:ln>
           <a:extLst>
             <a:ext uri="{909E8E84-426E-40dd-AFC4-6F175D3DCCD1}">
-              <a14:hiddenFill xmlns:a14="http://schemas.microsoft.com/office/drawing/2010/main" xmlns="">
+              <a14:hiddenFill xmlns="" xmlns:a14="http://schemas.microsoft.com/office/drawing/2010/main">
                 <a:solidFill>
                   <a:srgbClr val="FFFFFF"/>
                 </a:solidFill>
               </a14:hiddenFill>
             </a:ext>
             <a:ext uri="{91240B29-F687-4f45-9708-019B960494DF}">
-              <a14:hiddenLine xmlns:a14="http://schemas.microsoft.com/office/drawing/2010/main" xmlns="" w="9525">
+              <a14:hiddenLine xmlns="" xmlns:a14="http://schemas.microsoft.com/office/drawing/2010/main" w="9525">
                 <a:solidFill>
                   <a:srgbClr val="000000"/>
                 </a:solidFill>
@@ -5991,7 +5991,7 @@
           </a:ln>
           <a:extLst>
             <a:ext uri="{909E8E84-426E-40dd-AFC4-6F175D3DCCD1}">
-              <a14:hiddenFill xmlns:a14="http://schemas.microsoft.com/office/drawing/2010/main" xmlns="">
+              <a14:hiddenFill xmlns="" xmlns:a14="http://schemas.microsoft.com/office/drawing/2010/main">
                 <a:noFill/>
               </a14:hiddenFill>
             </a:ext>
@@ -6040,14 +6040,14 @@
           </a:ln>
           <a:extLst>
             <a:ext uri="{909E8E84-426E-40dd-AFC4-6F175D3DCCD1}">
-              <a14:hiddenFill xmlns:a14="http://schemas.microsoft.com/office/drawing/2010/main" xmlns="">
+              <a14:hiddenFill xmlns="" xmlns:a14="http://schemas.microsoft.com/office/drawing/2010/main">
                 <a:solidFill>
                   <a:srgbClr val="FFFFFF"/>
                 </a:solidFill>
               </a14:hiddenFill>
             </a:ext>
             <a:ext uri="{91240B29-F687-4f45-9708-019B960494DF}">
-              <a14:hiddenLine xmlns:a14="http://schemas.microsoft.com/office/drawing/2010/main" xmlns="" w="9525">
+              <a14:hiddenLine xmlns="" xmlns:a14="http://schemas.microsoft.com/office/drawing/2010/main" w="9525">
                 <a:solidFill>
                   <a:srgbClr val="000000"/>
                 </a:solidFill>
@@ -6514,7 +6514,7 @@
           </a:ln>
           <a:extLst>
             <a:ext uri="{909E8E84-426E-40dd-AFC4-6F175D3DCCD1}">
-              <a14:hiddenFill xmlns:a14="http://schemas.microsoft.com/office/drawing/2010/main" xmlns="">
+              <a14:hiddenFill xmlns="" xmlns:a14="http://schemas.microsoft.com/office/drawing/2010/main">
                 <a:noFill/>
               </a14:hiddenFill>
             </a:ext>
@@ -6892,7 +6892,7 @@
           </a:ln>
           <a:extLst>
             <a:ext uri="{909E8E84-426E-40dd-AFC4-6F175D3DCCD1}">
-              <a14:hiddenFill xmlns:a14="http://schemas.microsoft.com/office/drawing/2010/main" xmlns="">
+              <a14:hiddenFill xmlns="" xmlns:a14="http://schemas.microsoft.com/office/drawing/2010/main">
                 <a:noFill/>
               </a14:hiddenFill>
             </a:ext>
@@ -6933,7 +6933,7 @@
           </a:ln>
           <a:extLst>
             <a:ext uri="{909E8E84-426E-40dd-AFC4-6F175D3DCCD1}">
-              <a14:hiddenFill xmlns:a14="http://schemas.microsoft.com/office/drawing/2010/main" xmlns="">
+              <a14:hiddenFill xmlns="" xmlns:a14="http://schemas.microsoft.com/office/drawing/2010/main">
                 <a:noFill/>
               </a14:hiddenFill>
             </a:ext>
@@ -7143,7 +7143,7 @@
           </a:ln>
           <a:extLst>
             <a:ext uri="{909E8E84-426E-40dd-AFC4-6F175D3DCCD1}">
-              <a14:hiddenFill xmlns:a14="http://schemas.microsoft.com/office/drawing/2010/main" xmlns="">
+              <a14:hiddenFill xmlns="" xmlns:a14="http://schemas.microsoft.com/office/drawing/2010/main">
                 <a:noFill/>
               </a14:hiddenFill>
             </a:ext>
@@ -7192,14 +7192,14 @@
           </a:ln>
           <a:extLst>
             <a:ext uri="{909E8E84-426E-40dd-AFC4-6F175D3DCCD1}">
-              <a14:hiddenFill xmlns:a14="http://schemas.microsoft.com/office/drawing/2010/main" xmlns="">
+              <a14:hiddenFill xmlns="" xmlns:a14="http://schemas.microsoft.com/office/drawing/2010/main">
                 <a:solidFill>
                   <a:srgbClr val="FFFFFF"/>
                 </a:solidFill>
               </a14:hiddenFill>
             </a:ext>
             <a:ext uri="{91240B29-F687-4f45-9708-019B960494DF}">
-              <a14:hiddenLine xmlns:a14="http://schemas.microsoft.com/office/drawing/2010/main" xmlns="" w="9525">
+              <a14:hiddenLine xmlns="" xmlns:a14="http://schemas.microsoft.com/office/drawing/2010/main" w="9525">
                 <a:solidFill>
                   <a:srgbClr val="000000"/>
                 </a:solidFill>
@@ -7428,7 +7428,7 @@
           </a:ln>
           <a:extLst>
             <a:ext uri="{909E8E84-426E-40dd-AFC4-6F175D3DCCD1}">
-              <a14:hiddenFill xmlns:a14="http://schemas.microsoft.com/office/drawing/2010/main" xmlns="">
+              <a14:hiddenFill xmlns="" xmlns:a14="http://schemas.microsoft.com/office/drawing/2010/main">
                 <a:noFill/>
               </a14:hiddenFill>
             </a:ext>
@@ -7679,7 +7679,7 @@
           </a:ln>
           <a:extLst>
             <a:ext uri="{909E8E84-426E-40dd-AFC4-6F175D3DCCD1}">
-              <a14:hiddenFill xmlns:a14="http://schemas.microsoft.com/office/drawing/2010/main" xmlns="">
+              <a14:hiddenFill xmlns="" xmlns:a14="http://schemas.microsoft.com/office/drawing/2010/main">
                 <a:noFill/>
               </a14:hiddenFill>
             </a:ext>
@@ -7728,14 +7728,14 @@
           </a:ln>
           <a:extLst>
             <a:ext uri="{909E8E84-426E-40dd-AFC4-6F175D3DCCD1}">
-              <a14:hiddenFill xmlns:a14="http://schemas.microsoft.com/office/drawing/2010/main" xmlns="">
+              <a14:hiddenFill xmlns="" xmlns:a14="http://schemas.microsoft.com/office/drawing/2010/main">
                 <a:solidFill>
                   <a:srgbClr val="FFFFFF"/>
                 </a:solidFill>
               </a14:hiddenFill>
             </a:ext>
             <a:ext uri="{91240B29-F687-4f45-9708-019B960494DF}">
-              <a14:hiddenLine xmlns:a14="http://schemas.microsoft.com/office/drawing/2010/main" xmlns="" w="9525">
+              <a14:hiddenLine xmlns="" xmlns:a14="http://schemas.microsoft.com/office/drawing/2010/main" w="9525">
                 <a:solidFill>
                   <a:srgbClr val="000000"/>
                 </a:solidFill>
@@ -7997,7 +7997,7 @@
           </a:ln>
           <a:extLst>
             <a:ext uri="{909E8E84-426E-40dd-AFC4-6F175D3DCCD1}">
-              <a14:hiddenFill xmlns:a14="http://schemas.microsoft.com/office/drawing/2010/main" xmlns="">
+              <a14:hiddenFill xmlns="" xmlns:a14="http://schemas.microsoft.com/office/drawing/2010/main">
                 <a:noFill/>
               </a14:hiddenFill>
             </a:ext>
@@ -8046,14 +8046,14 @@
           </a:ln>
           <a:extLst>
             <a:ext uri="{909E8E84-426E-40dd-AFC4-6F175D3DCCD1}">
-              <a14:hiddenFill xmlns:a14="http://schemas.microsoft.com/office/drawing/2010/main" xmlns="">
+              <a14:hiddenFill xmlns="" xmlns:a14="http://schemas.microsoft.com/office/drawing/2010/main">
                 <a:solidFill>
                   <a:srgbClr val="FFFFFF"/>
                 </a:solidFill>
               </a14:hiddenFill>
             </a:ext>
             <a:ext uri="{91240B29-F687-4f45-9708-019B960494DF}">
-              <a14:hiddenLine xmlns:a14="http://schemas.microsoft.com/office/drawing/2010/main" xmlns="" w="9525">
+              <a14:hiddenLine xmlns="" xmlns:a14="http://schemas.microsoft.com/office/drawing/2010/main" w="9525">
                 <a:solidFill>
                   <a:srgbClr val="000000"/>
                 </a:solidFill>
@@ -8689,7 +8689,7 @@
           </a:ln>
           <a:extLst>
             <a:ext uri="{909E8E84-426E-40dd-AFC4-6F175D3DCCD1}">
-              <a14:hiddenFill xmlns:a14="http://schemas.microsoft.com/office/drawing/2010/main" xmlns="">
+              <a14:hiddenFill xmlns="" xmlns:a14="http://schemas.microsoft.com/office/drawing/2010/main">
                 <a:noFill/>
               </a14:hiddenFill>
             </a:ext>
@@ -8730,7 +8730,7 @@
           </a:ln>
           <a:extLst>
             <a:ext uri="{909E8E84-426E-40dd-AFC4-6F175D3DCCD1}">
-              <a14:hiddenFill xmlns:a14="http://schemas.microsoft.com/office/drawing/2010/main" xmlns="">
+              <a14:hiddenFill xmlns="" xmlns:a14="http://schemas.microsoft.com/office/drawing/2010/main">
                 <a:noFill/>
               </a14:hiddenFill>
             </a:ext>
@@ -8873,17 +8873,17 @@
           <a:effectLst/>
           <a:extLst>
             <a:ext uri="{FAA26D3D-D897-4be2-8F04-BA451C77F1D7}">
-              <ma14:placeholderFlag xmlns="" xmlns:ma14="http://schemas.microsoft.com/office/mac/drawingml/2011/main" val="1"/>
+              <ma14:placeholderFlag xmlns:ma14="http://schemas.microsoft.com/office/mac/drawingml/2011/main" xmlns="" val="1"/>
             </a:ext>
             <a:ext uri="{909E8E84-426E-40dd-AFC4-6F175D3DCCD1}">
-              <a14:hiddenFill xmlns:a14="http://schemas.microsoft.com/office/drawing/2010/main" xmlns="">
+              <a14:hiddenFill xmlns="" xmlns:a14="http://schemas.microsoft.com/office/drawing/2010/main">
                 <a:solidFill>
                   <a:srgbClr val="FFFFFF"/>
                 </a:solidFill>
               </a14:hiddenFill>
             </a:ext>
             <a:ext uri="{91240B29-F687-4f45-9708-019B960494DF}">
-              <a14:hiddenLine xmlns:a14="http://schemas.microsoft.com/office/drawing/2010/main" xmlns="" w="12700">
+              <a14:hiddenLine xmlns="" xmlns:a14="http://schemas.microsoft.com/office/drawing/2010/main" w="12700">
                 <a:solidFill>
                   <a:schemeClr val="tx1"/>
                 </a:solidFill>
@@ -8893,7 +8893,7 @@
               </a14:hiddenLine>
             </a:ext>
             <a:ext uri="{AF507438-7753-43e0-B8FC-AC1667EBCBE1}">
-              <a14:hiddenEffects xmlns:a14="http://schemas.microsoft.com/office/drawing/2010/main" xmlns="">
+              <a14:hiddenEffects xmlns="" xmlns:a14="http://schemas.microsoft.com/office/drawing/2010/main">
                 <a:effectLst>
                   <a:outerShdw blurRad="63500" dist="38099" dir="2700000" algn="ctr" rotWithShape="0">
                     <a:srgbClr val="000000">
@@ -8951,17 +8951,17 @@
           <a:effectLst/>
           <a:extLst>
             <a:ext uri="{FAA26D3D-D897-4be2-8F04-BA451C77F1D7}">
-              <ma14:placeholderFlag xmlns="" xmlns:ma14="http://schemas.microsoft.com/office/mac/drawingml/2011/main" val="1"/>
+              <ma14:placeholderFlag xmlns:ma14="http://schemas.microsoft.com/office/mac/drawingml/2011/main" xmlns="" val="1"/>
             </a:ext>
             <a:ext uri="{909E8E84-426E-40dd-AFC4-6F175D3DCCD1}">
-              <a14:hiddenFill xmlns:a14="http://schemas.microsoft.com/office/drawing/2010/main" xmlns="">
+              <a14:hiddenFill xmlns="" xmlns:a14="http://schemas.microsoft.com/office/drawing/2010/main">
                 <a:solidFill>
                   <a:srgbClr val="FFFFFF"/>
                 </a:solidFill>
               </a14:hiddenFill>
             </a:ext>
             <a:ext uri="{91240B29-F687-4f45-9708-019B960494DF}">
-              <a14:hiddenLine xmlns:a14="http://schemas.microsoft.com/office/drawing/2010/main" xmlns="" w="12700">
+              <a14:hiddenLine xmlns="" xmlns:a14="http://schemas.microsoft.com/office/drawing/2010/main" w="12700">
                 <a:solidFill>
                   <a:schemeClr val="tx1"/>
                 </a:solidFill>
@@ -8971,7 +8971,7 @@
               </a14:hiddenLine>
             </a:ext>
             <a:ext uri="{AF507438-7753-43e0-B8FC-AC1667EBCBE1}">
-              <a14:hiddenEffects xmlns:a14="http://schemas.microsoft.com/office/drawing/2010/main" xmlns="">
+              <a14:hiddenEffects xmlns="" xmlns:a14="http://schemas.microsoft.com/office/drawing/2010/main">
                 <a:effectLst>
                   <a:outerShdw blurRad="63500" dist="38099" dir="2700000" algn="ctr" rotWithShape="0">
                     <a:srgbClr val="000000">
@@ -9065,14 +9065,14 @@
           <a:effectLst/>
           <a:extLst>
             <a:ext uri="{909E8E84-426E-40dd-AFC4-6F175D3DCCD1}">
-              <a14:hiddenFill xmlns:a14="http://schemas.microsoft.com/office/drawing/2010/main" xmlns="">
+              <a14:hiddenFill xmlns="" xmlns:a14="http://schemas.microsoft.com/office/drawing/2010/main">
                 <a:solidFill>
                   <a:srgbClr val="FFFFFF"/>
                 </a:solidFill>
               </a14:hiddenFill>
             </a:ext>
             <a:ext uri="{91240B29-F687-4f45-9708-019B960494DF}">
-              <a14:hiddenLine xmlns:a14="http://schemas.microsoft.com/office/drawing/2010/main" xmlns="" w="12700">
+              <a14:hiddenLine xmlns="" xmlns:a14="http://schemas.microsoft.com/office/drawing/2010/main" w="12700">
                 <a:solidFill>
                   <a:schemeClr val="tx1"/>
                 </a:solidFill>
@@ -9082,7 +9082,7 @@
               </a14:hiddenLine>
             </a:ext>
             <a:ext uri="{AF507438-7753-43e0-B8FC-AC1667EBCBE1}">
-              <a14:hiddenEffects xmlns:a14="http://schemas.microsoft.com/office/drawing/2010/main" xmlns="">
+              <a14:hiddenEffects xmlns="" xmlns:a14="http://schemas.microsoft.com/office/drawing/2010/main">
                 <a:effectLst>
                   <a:outerShdw blurRad="63500" dist="38099" dir="2700000" algn="ctr" rotWithShape="0">
                     <a:srgbClr val="000000">
@@ -9768,17 +9768,17 @@
           <a:effectLst/>
           <a:extLst>
             <a:ext uri="{FAA26D3D-D897-4be2-8F04-BA451C77F1D7}">
-              <ma14:placeholderFlag xmlns="" xmlns:ma14="http://schemas.microsoft.com/office/mac/drawingml/2011/main" val="1"/>
+              <ma14:placeholderFlag xmlns:ma14="http://schemas.microsoft.com/office/mac/drawingml/2011/main" xmlns="" val="1"/>
             </a:ext>
             <a:ext uri="{909E8E84-426E-40dd-AFC4-6F175D3DCCD1}">
-              <a14:hiddenFill xmlns:a14="http://schemas.microsoft.com/office/drawing/2010/main" xmlns="">
+              <a14:hiddenFill xmlns="" xmlns:a14="http://schemas.microsoft.com/office/drawing/2010/main">
                 <a:solidFill>
                   <a:srgbClr val="FFFFFF"/>
                 </a:solidFill>
               </a14:hiddenFill>
             </a:ext>
             <a:ext uri="{91240B29-F687-4f45-9708-019B960494DF}">
-              <a14:hiddenLine xmlns:a14="http://schemas.microsoft.com/office/drawing/2010/main" xmlns="" w="12700">
+              <a14:hiddenLine xmlns="" xmlns:a14="http://schemas.microsoft.com/office/drawing/2010/main" w="12700">
                 <a:solidFill>
                   <a:schemeClr val="tx1"/>
                 </a:solidFill>
@@ -9788,7 +9788,7 @@
               </a14:hiddenLine>
             </a:ext>
             <a:ext uri="{AF507438-7753-43e0-B8FC-AC1667EBCBE1}">
-              <a14:hiddenEffects xmlns:a14="http://schemas.microsoft.com/office/drawing/2010/main" xmlns="">
+              <a14:hiddenEffects xmlns="" xmlns:a14="http://schemas.microsoft.com/office/drawing/2010/main">
                 <a:effectLst>
                   <a:outerShdw blurRad="63500" dist="38099" dir="2700000" algn="ctr" rotWithShape="0">
                     <a:srgbClr val="000000">
@@ -9843,17 +9843,17 @@
           <a:effectLst/>
           <a:extLst>
             <a:ext uri="{FAA26D3D-D897-4be2-8F04-BA451C77F1D7}">
-              <ma14:placeholderFlag xmlns="" xmlns:ma14="http://schemas.microsoft.com/office/mac/drawingml/2011/main" val="1"/>
+              <ma14:placeholderFlag xmlns:ma14="http://schemas.microsoft.com/office/mac/drawingml/2011/main" xmlns="" val="1"/>
             </a:ext>
             <a:ext uri="{909E8E84-426E-40dd-AFC4-6F175D3DCCD1}">
-              <a14:hiddenFill xmlns:a14="http://schemas.microsoft.com/office/drawing/2010/main" xmlns="">
+              <a14:hiddenFill xmlns="" xmlns:a14="http://schemas.microsoft.com/office/drawing/2010/main">
                 <a:solidFill>
                   <a:srgbClr val="FFFFFF"/>
                 </a:solidFill>
               </a14:hiddenFill>
             </a:ext>
             <a:ext uri="{91240B29-F687-4f45-9708-019B960494DF}">
-              <a14:hiddenLine xmlns:a14="http://schemas.microsoft.com/office/drawing/2010/main" xmlns="" w="12700">
+              <a14:hiddenLine xmlns="" xmlns:a14="http://schemas.microsoft.com/office/drawing/2010/main" w="12700">
                 <a:solidFill>
                   <a:schemeClr val="tx1"/>
                 </a:solidFill>
@@ -9863,7 +9863,7 @@
               </a14:hiddenLine>
             </a:ext>
             <a:ext uri="{AF507438-7753-43e0-B8FC-AC1667EBCBE1}">
-              <a14:hiddenEffects xmlns:a14="http://schemas.microsoft.com/office/drawing/2010/main" xmlns="">
+              <a14:hiddenEffects xmlns="" xmlns:a14="http://schemas.microsoft.com/office/drawing/2010/main">
                 <a:effectLst>
                   <a:outerShdw blurRad="63500" dist="38099" dir="2700000" algn="ctr" rotWithShape="0">
                     <a:srgbClr val="000000">
@@ -9954,14 +9954,14 @@
           <a:effectLst/>
           <a:extLst>
             <a:ext uri="{909E8E84-426E-40dd-AFC4-6F175D3DCCD1}">
-              <a14:hiddenFill xmlns:a14="http://schemas.microsoft.com/office/drawing/2010/main" xmlns="">
+              <a14:hiddenFill xmlns="" xmlns:a14="http://schemas.microsoft.com/office/drawing/2010/main">
                 <a:solidFill>
                   <a:srgbClr val="FFFFFF"/>
                 </a:solidFill>
               </a14:hiddenFill>
             </a:ext>
             <a:ext uri="{91240B29-F687-4f45-9708-019B960494DF}">
-              <a14:hiddenLine xmlns:a14="http://schemas.microsoft.com/office/drawing/2010/main" xmlns="" w="12700">
+              <a14:hiddenLine xmlns="" xmlns:a14="http://schemas.microsoft.com/office/drawing/2010/main" w="12700">
                 <a:solidFill>
                   <a:schemeClr val="tx1"/>
                 </a:solidFill>
@@ -9971,7 +9971,7 @@
               </a14:hiddenLine>
             </a:ext>
             <a:ext uri="{AF507438-7753-43e0-B8FC-AC1667EBCBE1}">
-              <a14:hiddenEffects xmlns:a14="http://schemas.microsoft.com/office/drawing/2010/main" xmlns="">
+              <a14:hiddenEffects xmlns="" xmlns:a14="http://schemas.microsoft.com/office/drawing/2010/main">
                 <a:effectLst>
                   <a:outerShdw blurRad="63500" dist="38099" dir="2700000" algn="ctr" rotWithShape="0">
                     <a:srgbClr val="000000">
@@ -10666,17 +10666,17 @@
           <a:effectLst/>
           <a:extLst>
             <a:ext uri="{FAA26D3D-D897-4be2-8F04-BA451C77F1D7}">
-              <ma14:placeholderFlag xmlns="" xmlns:ma14="http://schemas.microsoft.com/office/mac/drawingml/2011/main" val="1"/>
+              <ma14:placeholderFlag xmlns:ma14="http://schemas.microsoft.com/office/mac/drawingml/2011/main" xmlns="" val="1"/>
             </a:ext>
             <a:ext uri="{909E8E84-426E-40dd-AFC4-6F175D3DCCD1}">
-              <a14:hiddenFill xmlns:a14="http://schemas.microsoft.com/office/drawing/2010/main" xmlns="">
+              <a14:hiddenFill xmlns="" xmlns:a14="http://schemas.microsoft.com/office/drawing/2010/main">
                 <a:solidFill>
                   <a:srgbClr val="FFFFFF"/>
                 </a:solidFill>
               </a14:hiddenFill>
             </a:ext>
             <a:ext uri="{91240B29-F687-4f45-9708-019B960494DF}">
-              <a14:hiddenLine xmlns:a14="http://schemas.microsoft.com/office/drawing/2010/main" xmlns="" w="12700">
+              <a14:hiddenLine xmlns="" xmlns:a14="http://schemas.microsoft.com/office/drawing/2010/main" w="12700">
                 <a:solidFill>
                   <a:schemeClr val="tx1"/>
                 </a:solidFill>
@@ -10686,7 +10686,7 @@
               </a14:hiddenLine>
             </a:ext>
             <a:ext uri="{AF507438-7753-43e0-B8FC-AC1667EBCBE1}">
-              <a14:hiddenEffects xmlns:a14="http://schemas.microsoft.com/office/drawing/2010/main" xmlns="">
+              <a14:hiddenEffects xmlns="" xmlns:a14="http://schemas.microsoft.com/office/drawing/2010/main">
                 <a:effectLst>
                   <a:outerShdw blurRad="63500" dist="38099" dir="2700000" algn="ctr" rotWithShape="0">
                     <a:srgbClr val="000000">
@@ -10741,17 +10741,17 @@
           <a:effectLst/>
           <a:extLst>
             <a:ext uri="{FAA26D3D-D897-4be2-8F04-BA451C77F1D7}">
-              <ma14:placeholderFlag xmlns="" xmlns:ma14="http://schemas.microsoft.com/office/mac/drawingml/2011/main" val="1"/>
+              <ma14:placeholderFlag xmlns:ma14="http://schemas.microsoft.com/office/mac/drawingml/2011/main" xmlns="" val="1"/>
             </a:ext>
             <a:ext uri="{909E8E84-426E-40dd-AFC4-6F175D3DCCD1}">
-              <a14:hiddenFill xmlns:a14="http://schemas.microsoft.com/office/drawing/2010/main" xmlns="">
+              <a14:hiddenFill xmlns="" xmlns:a14="http://schemas.microsoft.com/office/drawing/2010/main">
                 <a:solidFill>
                   <a:srgbClr val="FFFFFF"/>
                 </a:solidFill>
               </a14:hiddenFill>
             </a:ext>
             <a:ext uri="{91240B29-F687-4f45-9708-019B960494DF}">
-              <a14:hiddenLine xmlns:a14="http://schemas.microsoft.com/office/drawing/2010/main" xmlns="" w="12700">
+              <a14:hiddenLine xmlns="" xmlns:a14="http://schemas.microsoft.com/office/drawing/2010/main" w="12700">
                 <a:solidFill>
                   <a:schemeClr val="tx1"/>
                 </a:solidFill>
@@ -10761,7 +10761,7 @@
               </a14:hiddenLine>
             </a:ext>
             <a:ext uri="{AF507438-7753-43e0-B8FC-AC1667EBCBE1}">
-              <a14:hiddenEffects xmlns:a14="http://schemas.microsoft.com/office/drawing/2010/main" xmlns="">
+              <a14:hiddenEffects xmlns="" xmlns:a14="http://schemas.microsoft.com/office/drawing/2010/main">
                 <a:effectLst>
                   <a:outerShdw blurRad="63500" dist="38099" dir="2700000" algn="ctr" rotWithShape="0">
                     <a:srgbClr val="000000">
@@ -10852,14 +10852,14 @@
           <a:effectLst/>
           <a:extLst>
             <a:ext uri="{909E8E84-426E-40dd-AFC4-6F175D3DCCD1}">
-              <a14:hiddenFill xmlns:a14="http://schemas.microsoft.com/office/drawing/2010/main" xmlns="">
+              <a14:hiddenFill xmlns="" xmlns:a14="http://schemas.microsoft.com/office/drawing/2010/main">
                 <a:solidFill>
                   <a:srgbClr val="FFFFFF"/>
                 </a:solidFill>
               </a14:hiddenFill>
             </a:ext>
             <a:ext uri="{91240B29-F687-4f45-9708-019B960494DF}">
-              <a14:hiddenLine xmlns:a14="http://schemas.microsoft.com/office/drawing/2010/main" xmlns="" w="12700">
+              <a14:hiddenLine xmlns="" xmlns:a14="http://schemas.microsoft.com/office/drawing/2010/main" w="12700">
                 <a:solidFill>
                   <a:schemeClr val="tx1"/>
                 </a:solidFill>
@@ -10869,7 +10869,7 @@
               </a14:hiddenLine>
             </a:ext>
             <a:ext uri="{AF507438-7753-43e0-B8FC-AC1667EBCBE1}">
-              <a14:hiddenEffects xmlns:a14="http://schemas.microsoft.com/office/drawing/2010/main" xmlns="">
+              <a14:hiddenEffects xmlns="" xmlns:a14="http://schemas.microsoft.com/office/drawing/2010/main">
                 <a:effectLst>
                   <a:outerShdw blurRad="63500" dist="38099" dir="2700000" algn="ctr" rotWithShape="0">
                     <a:srgbClr val="000000">
@@ -15486,7 +15486,7 @@
                 <a:latin typeface="微软雅黑" panose="020B0503020204020204" pitchFamily="34" charset="-122"/>
                 <a:ea typeface="微软雅黑" panose="020B0503020204020204" pitchFamily="34" charset="-122"/>
               </a:rPr>
-              <a:t>Applying Rules</a:t>
+              <a:t>After Refactoring</a:t>
             </a:r>
             <a:endParaRPr lang="zh-Hans" altLang="en-US" dirty="0">
               <a:latin typeface="微软雅黑" panose="020B0503020204020204" pitchFamily="34" charset="-122"/>
@@ -15790,7 +15790,7 @@
             </a:ln>
             <a:extLst>
               <a:ext uri="{91240B29-F687-4f45-9708-019B960494DF}">
-                <a14:hiddenLine xmlns="" xmlns:a14="http://schemas.microsoft.com/office/drawing/2010/main" w="25400" cap="flat" cmpd="sng" algn="ctr">
+                <a14:hiddenLine xmlns:a14="http://schemas.microsoft.com/office/drawing/2010/main" xmlns="" w="25400" cap="flat" cmpd="sng" algn="ctr">
                   <a:solidFill>
                     <a:srgbClr val="000000"/>
                   </a:solidFill>
@@ -15801,7 +15801,7 @@
                 </a14:hiddenLine>
               </a:ext>
               <a:ext uri="{AF507438-7753-43e0-B8FC-AC1667EBCBE1}">
-                <a14:hiddenEffects xmlns="" xmlns:a14="http://schemas.microsoft.com/office/drawing/2010/main">
+                <a14:hiddenEffects xmlns:a14="http://schemas.microsoft.com/office/drawing/2010/main" xmlns="">
                   <a:effectLst>
                     <a:outerShdw blurRad="63500" dist="38099" dir="2700000" algn="ctr" rotWithShape="0">
                       <a:schemeClr val="bg2">
@@ -15849,7 +15849,7 @@
             </a:ln>
             <a:extLst>
               <a:ext uri="{91240B29-F687-4f45-9708-019B960494DF}">
-                <a14:hiddenLine xmlns="" xmlns:a14="http://schemas.microsoft.com/office/drawing/2010/main" w="25400" cap="flat" cmpd="sng" algn="ctr">
+                <a14:hiddenLine xmlns:a14="http://schemas.microsoft.com/office/drawing/2010/main" xmlns="" w="25400" cap="flat" cmpd="sng" algn="ctr">
                   <a:solidFill>
                     <a:srgbClr val="000000"/>
                   </a:solidFill>
@@ -15860,7 +15860,7 @@
                 </a14:hiddenLine>
               </a:ext>
               <a:ext uri="{AF507438-7753-43e0-B8FC-AC1667EBCBE1}">
-                <a14:hiddenEffects xmlns="" xmlns:a14="http://schemas.microsoft.com/office/drawing/2010/main">
+                <a14:hiddenEffects xmlns:a14="http://schemas.microsoft.com/office/drawing/2010/main" xmlns="">
                   <a:effectLst>
                     <a:outerShdw blurRad="63500" dist="38099" dir="2700000" algn="ctr" rotWithShape="0">
                       <a:schemeClr val="bg2">
@@ -18587,7 +18587,7 @@
             </a:ln>
             <a:extLst>
               <a:ext uri="{91240B29-F687-4f45-9708-019B960494DF}">
-                <a14:hiddenLine xmlns:a14="http://schemas.microsoft.com/office/drawing/2010/main" xmlns="" w="25400" cap="flat" cmpd="sng" algn="ctr">
+                <a14:hiddenLine xmlns="" xmlns:a14="http://schemas.microsoft.com/office/drawing/2010/main" w="25400" cap="flat" cmpd="sng" algn="ctr">
                   <a:solidFill>
                     <a:srgbClr val="000000"/>
                   </a:solidFill>
@@ -18598,7 +18598,7 @@
                 </a14:hiddenLine>
               </a:ext>
               <a:ext uri="{AF507438-7753-43e0-B8FC-AC1667EBCBE1}">
-                <a14:hiddenEffects xmlns:a14="http://schemas.microsoft.com/office/drawing/2010/main" xmlns="">
+                <a14:hiddenEffects xmlns="" xmlns:a14="http://schemas.microsoft.com/office/drawing/2010/main">
                   <a:effectLst>
                     <a:outerShdw blurRad="63500" dist="38099" dir="2700000" algn="ctr" rotWithShape="0">
                       <a:schemeClr val="bg2">
@@ -18759,17 +18759,17 @@
           <a:effectLst/>
           <a:extLst>
             <a:ext uri="{FAA26D3D-D897-4be2-8F04-BA451C77F1D7}">
-              <ma14:placeholderFlag xmlns="" xmlns:ma14="http://schemas.microsoft.com/office/mac/drawingml/2011/main" val="1"/>
+              <ma14:placeholderFlag xmlns:ma14="http://schemas.microsoft.com/office/mac/drawingml/2011/main" xmlns="" val="1"/>
             </a:ext>
             <a:ext uri="{909E8E84-426E-40dd-AFC4-6F175D3DCCD1}">
-              <a14:hiddenFill xmlns:a14="http://schemas.microsoft.com/office/drawing/2010/main" xmlns="">
+              <a14:hiddenFill xmlns="" xmlns:a14="http://schemas.microsoft.com/office/drawing/2010/main">
                 <a:solidFill>
                   <a:srgbClr val="FFFFFF"/>
                 </a:solidFill>
               </a14:hiddenFill>
             </a:ext>
             <a:ext uri="{91240B29-F687-4f45-9708-019B960494DF}">
-              <a14:hiddenLine xmlns:a14="http://schemas.microsoft.com/office/drawing/2010/main" xmlns="" w="12700">
+              <a14:hiddenLine xmlns="" xmlns:a14="http://schemas.microsoft.com/office/drawing/2010/main" w="12700">
                 <a:solidFill>
                   <a:schemeClr val="tx1"/>
                 </a:solidFill>
@@ -18779,7 +18779,7 @@
               </a14:hiddenLine>
             </a:ext>
             <a:ext uri="{AF507438-7753-43e0-B8FC-AC1667EBCBE1}">
-              <a14:hiddenEffects xmlns:a14="http://schemas.microsoft.com/office/drawing/2010/main" xmlns="">
+              <a14:hiddenEffects xmlns="" xmlns:a14="http://schemas.microsoft.com/office/drawing/2010/main">
                 <a:effectLst>
                   <a:outerShdw blurRad="63500" dist="38099" dir="2700000" algn="ctr" rotWithShape="0">
                     <a:srgbClr val="000000">
@@ -19623,17 +19623,17 @@
           <a:effectLst/>
           <a:extLst>
             <a:ext uri="{FAA26D3D-D897-4be2-8F04-BA451C77F1D7}">
-              <ma14:placeholderFlag xmlns="" xmlns:ma14="http://schemas.microsoft.com/office/mac/drawingml/2011/main" val="1"/>
+              <ma14:placeholderFlag xmlns:ma14="http://schemas.microsoft.com/office/mac/drawingml/2011/main" xmlns="" val="1"/>
             </a:ext>
             <a:ext uri="{909E8E84-426E-40dd-AFC4-6F175D3DCCD1}">
-              <a14:hiddenFill xmlns:a14="http://schemas.microsoft.com/office/drawing/2010/main" xmlns="">
+              <a14:hiddenFill xmlns="" xmlns:a14="http://schemas.microsoft.com/office/drawing/2010/main">
                 <a:solidFill>
                   <a:srgbClr val="FFFFFF"/>
                 </a:solidFill>
               </a14:hiddenFill>
             </a:ext>
             <a:ext uri="{91240B29-F687-4f45-9708-019B960494DF}">
-              <a14:hiddenLine xmlns:a14="http://schemas.microsoft.com/office/drawing/2010/main" xmlns="" w="12700">
+              <a14:hiddenLine xmlns="" xmlns:a14="http://schemas.microsoft.com/office/drawing/2010/main" w="12700">
                 <a:solidFill>
                   <a:schemeClr val="tx1"/>
                 </a:solidFill>
@@ -19643,7 +19643,7 @@
               </a14:hiddenLine>
             </a:ext>
             <a:ext uri="{AF507438-7753-43e0-B8FC-AC1667EBCBE1}">
-              <a14:hiddenEffects xmlns:a14="http://schemas.microsoft.com/office/drawing/2010/main" xmlns="">
+              <a14:hiddenEffects xmlns="" xmlns:a14="http://schemas.microsoft.com/office/drawing/2010/main">
                 <a:effectLst>
                   <a:outerShdw blurRad="63500" dist="38099" dir="2700000" algn="ctr" rotWithShape="0">
                     <a:srgbClr val="000000">
@@ -20641,7 +20641,7 @@
             </a:ln>
             <a:extLst>
               <a:ext uri="{91240B29-F687-4f45-9708-019B960494DF}">
-                <a14:hiddenLine xmlns:a14="http://schemas.microsoft.com/office/drawing/2010/main" xmlns="" w="25400" cap="flat" cmpd="sng" algn="ctr">
+                <a14:hiddenLine xmlns="" xmlns:a14="http://schemas.microsoft.com/office/drawing/2010/main" w="25400" cap="flat" cmpd="sng" algn="ctr">
                   <a:solidFill>
                     <a:srgbClr val="000000"/>
                   </a:solidFill>
@@ -20652,7 +20652,7 @@
                 </a14:hiddenLine>
               </a:ext>
               <a:ext uri="{AF507438-7753-43e0-B8FC-AC1667EBCBE1}">
-                <a14:hiddenEffects xmlns:a14="http://schemas.microsoft.com/office/drawing/2010/main" xmlns="">
+                <a14:hiddenEffects xmlns="" xmlns:a14="http://schemas.microsoft.com/office/drawing/2010/main">
                   <a:effectLst>
                     <a:outerShdw blurRad="63500" dist="38099" dir="2700000" algn="ctr" rotWithShape="0">
                       <a:schemeClr val="bg2">
@@ -20700,7 +20700,7 @@
             </a:ln>
             <a:extLst>
               <a:ext uri="{91240B29-F687-4f45-9708-019B960494DF}">
-                <a14:hiddenLine xmlns:a14="http://schemas.microsoft.com/office/drawing/2010/main" xmlns="" w="25400" cap="flat" cmpd="sng" algn="ctr">
+                <a14:hiddenLine xmlns="" xmlns:a14="http://schemas.microsoft.com/office/drawing/2010/main" w="25400" cap="flat" cmpd="sng" algn="ctr">
                   <a:solidFill>
                     <a:srgbClr val="000000"/>
                   </a:solidFill>
@@ -20711,7 +20711,7 @@
                 </a14:hiddenLine>
               </a:ext>
               <a:ext uri="{AF507438-7753-43e0-B8FC-AC1667EBCBE1}">
-                <a14:hiddenEffects xmlns:a14="http://schemas.microsoft.com/office/drawing/2010/main" xmlns="">
+                <a14:hiddenEffects xmlns="" xmlns:a14="http://schemas.microsoft.com/office/drawing/2010/main">
                   <a:effectLst>
                     <a:outerShdw blurRad="63500" dist="38099" dir="2700000" algn="ctr" rotWithShape="0">
                       <a:schemeClr val="bg2">
@@ -20867,7 +20867,7 @@
             </a:ln>
             <a:extLst>
               <a:ext uri="{91240B29-F687-4f45-9708-019B960494DF}">
-                <a14:hiddenLine xmlns:a14="http://schemas.microsoft.com/office/drawing/2010/main" xmlns="" w="25400" cap="flat" cmpd="sng" algn="ctr">
+                <a14:hiddenLine xmlns="" xmlns:a14="http://schemas.microsoft.com/office/drawing/2010/main" w="25400" cap="flat" cmpd="sng" algn="ctr">
                   <a:solidFill>
                     <a:srgbClr val="000000"/>
                   </a:solidFill>
@@ -20878,7 +20878,7 @@
                 </a14:hiddenLine>
               </a:ext>
               <a:ext uri="{AF507438-7753-43e0-B8FC-AC1667EBCBE1}">
-                <a14:hiddenEffects xmlns:a14="http://schemas.microsoft.com/office/drawing/2010/main" xmlns="">
+                <a14:hiddenEffects xmlns="" xmlns:a14="http://schemas.microsoft.com/office/drawing/2010/main">
                   <a:effectLst>
                     <a:outerShdw blurRad="63500" dist="38099" dir="2700000" algn="ctr" rotWithShape="0">
                       <a:schemeClr val="bg2">
@@ -21017,7 +21017,7 @@
             </a:ln>
             <a:extLst>
               <a:ext uri="{91240B29-F687-4f45-9708-019B960494DF}">
-                <a14:hiddenLine xmlns:a14="http://schemas.microsoft.com/office/drawing/2010/main" xmlns="" w="25400" cap="flat" cmpd="sng" algn="ctr">
+                <a14:hiddenLine xmlns="" xmlns:a14="http://schemas.microsoft.com/office/drawing/2010/main" w="25400" cap="flat" cmpd="sng" algn="ctr">
                   <a:solidFill>
                     <a:srgbClr val="000000"/>
                   </a:solidFill>
@@ -21028,7 +21028,7 @@
                 </a14:hiddenLine>
               </a:ext>
               <a:ext uri="{AF507438-7753-43e0-B8FC-AC1667EBCBE1}">
-                <a14:hiddenEffects xmlns:a14="http://schemas.microsoft.com/office/drawing/2010/main" xmlns="">
+                <a14:hiddenEffects xmlns="" xmlns:a14="http://schemas.microsoft.com/office/drawing/2010/main">
                   <a:effectLst>
                     <a:outerShdw blurRad="63500" dist="38099" dir="2700000" algn="ctr" rotWithShape="0">
                       <a:schemeClr val="bg2">
@@ -21079,7 +21079,7 @@
             </a:ln>
             <a:extLst>
               <a:ext uri="{91240B29-F687-4f45-9708-019B960494DF}">
-                <a14:hiddenLine xmlns:a14="http://schemas.microsoft.com/office/drawing/2010/main" xmlns="" w="25400" cap="flat" cmpd="sng" algn="ctr">
+                <a14:hiddenLine xmlns="" xmlns:a14="http://schemas.microsoft.com/office/drawing/2010/main" w="25400" cap="flat" cmpd="sng" algn="ctr">
                   <a:solidFill>
                     <a:srgbClr val="000000"/>
                   </a:solidFill>
@@ -21090,7 +21090,7 @@
                 </a14:hiddenLine>
               </a:ext>
               <a:ext uri="{AF507438-7753-43e0-B8FC-AC1667EBCBE1}">
-                <a14:hiddenEffects xmlns:a14="http://schemas.microsoft.com/office/drawing/2010/main" xmlns="">
+                <a14:hiddenEffects xmlns="" xmlns:a14="http://schemas.microsoft.com/office/drawing/2010/main">
                   <a:effectLst>
                     <a:outerShdw blurRad="63500" dist="38099" dir="2700000" algn="ctr" rotWithShape="0">
                       <a:schemeClr val="bg2">
@@ -21153,7 +21153,7 @@
             </a:ln>
             <a:extLst>
               <a:ext uri="{91240B29-F687-4f45-9708-019B960494DF}">
-                <a14:hiddenLine xmlns:a14="http://schemas.microsoft.com/office/drawing/2010/main" xmlns="" w="25400" cap="flat" cmpd="sng" algn="ctr">
+                <a14:hiddenLine xmlns="" xmlns:a14="http://schemas.microsoft.com/office/drawing/2010/main" w="25400" cap="flat" cmpd="sng" algn="ctr">
                   <a:solidFill>
                     <a:srgbClr val="000000"/>
                   </a:solidFill>
@@ -21164,7 +21164,7 @@
                 </a14:hiddenLine>
               </a:ext>
               <a:ext uri="{AF507438-7753-43e0-B8FC-AC1667EBCBE1}">
-                <a14:hiddenEffects xmlns:a14="http://schemas.microsoft.com/office/drawing/2010/main" xmlns="">
+                <a14:hiddenEffects xmlns="" xmlns:a14="http://schemas.microsoft.com/office/drawing/2010/main">
                   <a:effectLst>
                     <a:outerShdw blurRad="63500" dist="38099" dir="2700000" algn="ctr" rotWithShape="0">
                       <a:schemeClr val="bg2">
@@ -21217,7 +21217,7 @@
             </a:ln>
             <a:extLst>
               <a:ext uri="{91240B29-F687-4f45-9708-019B960494DF}">
-                <a14:hiddenLine xmlns:a14="http://schemas.microsoft.com/office/drawing/2010/main" xmlns="" w="25400" cap="flat" cmpd="sng" algn="ctr">
+                <a14:hiddenLine xmlns="" xmlns:a14="http://schemas.microsoft.com/office/drawing/2010/main" w="25400" cap="flat" cmpd="sng" algn="ctr">
                   <a:solidFill>
                     <a:srgbClr val="000000"/>
                   </a:solidFill>
@@ -21228,7 +21228,7 @@
                 </a14:hiddenLine>
               </a:ext>
               <a:ext uri="{AF507438-7753-43e0-B8FC-AC1667EBCBE1}">
-                <a14:hiddenEffects xmlns:a14="http://schemas.microsoft.com/office/drawing/2010/main" xmlns="">
+                <a14:hiddenEffects xmlns="" xmlns:a14="http://schemas.microsoft.com/office/drawing/2010/main">
                   <a:effectLst>
                     <a:outerShdw blurRad="63500" dist="38099" dir="2700000" algn="ctr" rotWithShape="0">
                       <a:schemeClr val="bg2">
@@ -21836,17 +21836,17 @@
             <a:effectLst/>
             <a:extLst>
               <a:ext uri="{FAA26D3D-D897-4be2-8F04-BA451C77F1D7}">
-                <ma14:placeholderFlag xmlns="" xmlns:ma14="http://schemas.microsoft.com/office/mac/drawingml/2011/main" val="1"/>
+                <ma14:placeholderFlag xmlns:ma14="http://schemas.microsoft.com/office/mac/drawingml/2011/main" xmlns="" val="1"/>
               </a:ext>
               <a:ext uri="{909E8E84-426E-40dd-AFC4-6F175D3DCCD1}">
-                <a14:hiddenFill xmlns:a14="http://schemas.microsoft.com/office/drawing/2010/main" xmlns="">
+                <a14:hiddenFill xmlns="" xmlns:a14="http://schemas.microsoft.com/office/drawing/2010/main">
                   <a:solidFill>
                     <a:srgbClr val="FFFFFF"/>
                   </a:solidFill>
                 </a14:hiddenFill>
               </a:ext>
               <a:ext uri="{91240B29-F687-4f45-9708-019B960494DF}">
-                <a14:hiddenLine xmlns:a14="http://schemas.microsoft.com/office/drawing/2010/main" xmlns="" w="12700">
+                <a14:hiddenLine xmlns="" xmlns:a14="http://schemas.microsoft.com/office/drawing/2010/main" w="12700">
                   <a:solidFill>
                     <a:schemeClr val="tx1"/>
                   </a:solidFill>
@@ -21856,7 +21856,7 @@
                 </a14:hiddenLine>
               </a:ext>
               <a:ext uri="{AF507438-7753-43e0-B8FC-AC1667EBCBE1}">
-                <a14:hiddenEffects xmlns:a14="http://schemas.microsoft.com/office/drawing/2010/main" xmlns="">
+                <a14:hiddenEffects xmlns="" xmlns:a14="http://schemas.microsoft.com/office/drawing/2010/main">
                   <a:effectLst>
                     <a:outerShdw blurRad="63500" dist="38099" dir="2700000" algn="ctr" rotWithShape="0">
                       <a:srgbClr val="000000">
@@ -22190,17 +22190,17 @@
             <a:effectLst/>
             <a:extLst>
               <a:ext uri="{FAA26D3D-D897-4be2-8F04-BA451C77F1D7}">
-                <ma14:placeholderFlag xmlns="" xmlns:ma14="http://schemas.microsoft.com/office/mac/drawingml/2011/main" val="1"/>
+                <ma14:placeholderFlag xmlns:ma14="http://schemas.microsoft.com/office/mac/drawingml/2011/main" xmlns="" val="1"/>
               </a:ext>
               <a:ext uri="{909E8E84-426E-40dd-AFC4-6F175D3DCCD1}">
-                <a14:hiddenFill xmlns:a14="http://schemas.microsoft.com/office/drawing/2010/main" xmlns="">
+                <a14:hiddenFill xmlns="" xmlns:a14="http://schemas.microsoft.com/office/drawing/2010/main">
                   <a:solidFill>
                     <a:srgbClr val="FFFFFF"/>
                   </a:solidFill>
                 </a14:hiddenFill>
               </a:ext>
               <a:ext uri="{91240B29-F687-4f45-9708-019B960494DF}">
-                <a14:hiddenLine xmlns:a14="http://schemas.microsoft.com/office/drawing/2010/main" xmlns="" w="12700">
+                <a14:hiddenLine xmlns="" xmlns:a14="http://schemas.microsoft.com/office/drawing/2010/main" w="12700">
                   <a:solidFill>
                     <a:schemeClr val="tx1"/>
                   </a:solidFill>
@@ -22210,7 +22210,7 @@
                 </a14:hiddenLine>
               </a:ext>
               <a:ext uri="{AF507438-7753-43e0-B8FC-AC1667EBCBE1}">
-                <a14:hiddenEffects xmlns:a14="http://schemas.microsoft.com/office/drawing/2010/main" xmlns="">
+                <a14:hiddenEffects xmlns="" xmlns:a14="http://schemas.microsoft.com/office/drawing/2010/main">
                   <a:effectLst>
                     <a:outerShdw blurRad="63500" dist="38099" dir="2700000" algn="ctr" rotWithShape="0">
                       <a:srgbClr val="000000">
@@ -22938,7 +22938,7 @@
         <a:effectLst/>
         <a:extLst>
           <a:ext uri="{91240B29-F687-4f45-9708-019B960494DF}">
-            <a14:hiddenLine xmlns:a14="http://schemas.microsoft.com/office/drawing/2010/main" xmlns="" w="25400" cap="flat" cmpd="sng" algn="ctr">
+            <a14:hiddenLine xmlns="" xmlns:a14="http://schemas.microsoft.com/office/drawing/2010/main" w="25400" cap="flat" cmpd="sng" algn="ctr">
               <a:solidFill>
                 <a:srgbClr val="000000"/>
               </a:solidFill>
@@ -22949,7 +22949,7 @@
             </a14:hiddenLine>
           </a:ext>
           <a:ext uri="{AF507438-7753-43e0-B8FC-AC1667EBCBE1}">
-            <a14:hiddenEffects xmlns:a14="http://schemas.microsoft.com/office/drawing/2010/main" xmlns="">
+            <a14:hiddenEffects xmlns="" xmlns:a14="http://schemas.microsoft.com/office/drawing/2010/main">
               <a:effectLst>
                 <a:outerShdw blurRad="63500" dist="38099" dir="2700000" algn="ctr" rotWithShape="0">
                   <a:schemeClr val="bg2">
@@ -23325,7 +23325,7 @@
         <a:effectLst/>
         <a:extLst>
           <a:ext uri="{91240B29-F687-4f45-9708-019B960494DF}">
-            <a14:hiddenLine xmlns:a14="http://schemas.microsoft.com/office/drawing/2010/main" xmlns="" w="25400" cap="flat" cmpd="sng" algn="ctr">
+            <a14:hiddenLine xmlns="" xmlns:a14="http://schemas.microsoft.com/office/drawing/2010/main" w="25400" cap="flat" cmpd="sng" algn="ctr">
               <a:solidFill>
                 <a:srgbClr val="000000"/>
               </a:solidFill>
@@ -23336,7 +23336,7 @@
             </a14:hiddenLine>
           </a:ext>
           <a:ext uri="{AF507438-7753-43e0-B8FC-AC1667EBCBE1}">
-            <a14:hiddenEffects xmlns:a14="http://schemas.microsoft.com/office/drawing/2010/main" xmlns="">
+            <a14:hiddenEffects xmlns="" xmlns:a14="http://schemas.microsoft.com/office/drawing/2010/main">
               <a:effectLst>
                 <a:outerShdw blurRad="63500" dist="38099" dir="2700000" algn="ctr" rotWithShape="0">
                   <a:schemeClr val="bg2">
@@ -23712,7 +23712,7 @@
         <a:effectLst/>
         <a:extLst>
           <a:ext uri="{91240B29-F687-4f45-9708-019B960494DF}">
-            <a14:hiddenLine xmlns:a14="http://schemas.microsoft.com/office/drawing/2010/main" xmlns="" w="25400" cap="flat" cmpd="sng" algn="ctr">
+            <a14:hiddenLine xmlns="" xmlns:a14="http://schemas.microsoft.com/office/drawing/2010/main" w="25400" cap="flat" cmpd="sng" algn="ctr">
               <a:solidFill>
                 <a:srgbClr val="000000"/>
               </a:solidFill>
@@ -23723,7 +23723,7 @@
             </a14:hiddenLine>
           </a:ext>
           <a:ext uri="{AF507438-7753-43e0-B8FC-AC1667EBCBE1}">
-            <a14:hiddenEffects xmlns:a14="http://schemas.microsoft.com/office/drawing/2010/main" xmlns="">
+            <a14:hiddenEffects xmlns="" xmlns:a14="http://schemas.microsoft.com/office/drawing/2010/main">
               <a:effectLst>
                 <a:outerShdw blurRad="63500" dist="38099" dir="2700000" algn="ctr" rotWithShape="0">
                   <a:schemeClr val="bg2">
